--- a/3_算法复杂度.pptx
+++ b/3_算法复杂度.pptx
@@ -4744,10 +4744,6 @@
             <a:r>
               <a:rPr lang="zh-CN" altLang="en-US"/>
               <a:t>性能比较</a:t>
-            </a:r>
-            <a:r>
-              <a:rPr lang="en-US" altLang="zh-CN"/>
-              <a:t>bi</a:t>
             </a:r>
             <a:endParaRPr lang="en-US" altLang="zh-CN"/>
           </a:p>
